--- a/Tobi Goeckel - Problemmüll im Handy.pptx
+++ b/Tobi Goeckel - Problemmüll im Handy.pptx
@@ -7,7 +7,8 @@
   <p:sldIdLst>
     <p:sldId id="256" r:id="rId2"/>
     <p:sldId id="257" r:id="rId3"/>
-    <p:sldId id="258" r:id="rId4"/>
+    <p:sldId id="259" r:id="rId4"/>
+    <p:sldId id="258" r:id="rId5"/>
   </p:sldIdLst>
   <p:sldSz cx="9144000" cy="6858000" type="screen4x3"/>
   <p:notesSz cx="6858000" cy="9144000"/>
@@ -108,7 +109,7 @@
   </p:defaultTextStyle>
   <p:extLst>
     <p:ext uri="{EFAFB233-063F-42B5-8137-9DF3F51BA10A}">
-      <p15:sldGuideLst xmlns:p15="http://schemas.microsoft.com/office/powerpoint/2012/main">
+      <p15:sldGuideLst xmlns:p15="http://schemas.microsoft.com/office/powerpoint/2012/main" xmlns="">
         <p15:guide id="1" orient="horz" pos="2160">
           <p15:clr>
             <a:srgbClr val="A4A3A4"/>
@@ -389,7 +390,7 @@
     </p:spTree>
     <p:extLst>
       <p:ext uri="{BB962C8B-B14F-4D97-AF65-F5344CB8AC3E}">
-        <p14:creationId xmlns:p14="http://schemas.microsoft.com/office/powerpoint/2010/main" val="2999019085"/>
+        <p14:creationId xmlns:p14="http://schemas.microsoft.com/office/powerpoint/2010/main" xmlns="" val="2999019085"/>
       </p:ext>
     </p:extLst>
   </p:cSld>
@@ -585,7 +586,7 @@
     </p:spTree>
     <p:extLst>
       <p:ext uri="{BB962C8B-B14F-4D97-AF65-F5344CB8AC3E}">
-        <p14:creationId xmlns:p14="http://schemas.microsoft.com/office/powerpoint/2010/main" val="408051028"/>
+        <p14:creationId xmlns:p14="http://schemas.microsoft.com/office/powerpoint/2010/main" xmlns="" val="408051028"/>
       </p:ext>
     </p:extLst>
   </p:cSld>
@@ -791,7 +792,7 @@
     </p:spTree>
     <p:extLst>
       <p:ext uri="{BB962C8B-B14F-4D97-AF65-F5344CB8AC3E}">
-        <p14:creationId xmlns:p14="http://schemas.microsoft.com/office/powerpoint/2010/main" val="3247626586"/>
+        <p14:creationId xmlns:p14="http://schemas.microsoft.com/office/powerpoint/2010/main" xmlns="" val="3247626586"/>
       </p:ext>
     </p:extLst>
   </p:cSld>
@@ -987,7 +988,7 @@
     </p:spTree>
     <p:extLst>
       <p:ext uri="{BB962C8B-B14F-4D97-AF65-F5344CB8AC3E}">
-        <p14:creationId xmlns:p14="http://schemas.microsoft.com/office/powerpoint/2010/main" val="2193808322"/>
+        <p14:creationId xmlns:p14="http://schemas.microsoft.com/office/powerpoint/2010/main" xmlns="" val="2193808322"/>
       </p:ext>
     </p:extLst>
   </p:cSld>
@@ -1257,7 +1258,7 @@
     </p:spTree>
     <p:extLst>
       <p:ext uri="{BB962C8B-B14F-4D97-AF65-F5344CB8AC3E}">
-        <p14:creationId xmlns:p14="http://schemas.microsoft.com/office/powerpoint/2010/main" val="3135091839"/>
+        <p14:creationId xmlns:p14="http://schemas.microsoft.com/office/powerpoint/2010/main" xmlns="" val="3135091839"/>
       </p:ext>
     </p:extLst>
   </p:cSld>
@@ -1520,7 +1521,7 @@
     </p:spTree>
     <p:extLst>
       <p:ext uri="{BB962C8B-B14F-4D97-AF65-F5344CB8AC3E}">
-        <p14:creationId xmlns:p14="http://schemas.microsoft.com/office/powerpoint/2010/main" val="2731284298"/>
+        <p14:creationId xmlns:p14="http://schemas.microsoft.com/office/powerpoint/2010/main" xmlns="" val="2731284298"/>
       </p:ext>
     </p:extLst>
   </p:cSld>
@@ -1925,7 +1926,7 @@
     </p:spTree>
     <p:extLst>
       <p:ext uri="{BB962C8B-B14F-4D97-AF65-F5344CB8AC3E}">
-        <p14:creationId xmlns:p14="http://schemas.microsoft.com/office/powerpoint/2010/main" val="1817672160"/>
+        <p14:creationId xmlns:p14="http://schemas.microsoft.com/office/powerpoint/2010/main" xmlns="" val="1817672160"/>
       </p:ext>
     </p:extLst>
   </p:cSld>
@@ -2069,7 +2070,7 @@
     </p:spTree>
     <p:extLst>
       <p:ext uri="{BB962C8B-B14F-4D97-AF65-F5344CB8AC3E}">
-        <p14:creationId xmlns:p14="http://schemas.microsoft.com/office/powerpoint/2010/main" val="1344573123"/>
+        <p14:creationId xmlns:p14="http://schemas.microsoft.com/office/powerpoint/2010/main" xmlns="" val="1344573123"/>
       </p:ext>
     </p:extLst>
   </p:cSld>
@@ -2190,7 +2191,7 @@
     </p:spTree>
     <p:extLst>
       <p:ext uri="{BB962C8B-B14F-4D97-AF65-F5344CB8AC3E}">
-        <p14:creationId xmlns:p14="http://schemas.microsoft.com/office/powerpoint/2010/main" val="2770252392"/>
+        <p14:creationId xmlns:p14="http://schemas.microsoft.com/office/powerpoint/2010/main" xmlns="" val="2770252392"/>
       </p:ext>
     </p:extLst>
   </p:cSld>
@@ -2495,7 +2496,7 @@
     </p:spTree>
     <p:extLst>
       <p:ext uri="{BB962C8B-B14F-4D97-AF65-F5344CB8AC3E}">
-        <p14:creationId xmlns:p14="http://schemas.microsoft.com/office/powerpoint/2010/main" val="3994014644"/>
+        <p14:creationId xmlns:p14="http://schemas.microsoft.com/office/powerpoint/2010/main" xmlns="" val="3994014644"/>
       </p:ext>
     </p:extLst>
   </p:cSld>
@@ -2798,7 +2799,7 @@
     </p:spTree>
     <p:extLst>
       <p:ext uri="{BB962C8B-B14F-4D97-AF65-F5344CB8AC3E}">
-        <p14:creationId xmlns:p14="http://schemas.microsoft.com/office/powerpoint/2010/main" val="1330360761"/>
+        <p14:creationId xmlns:p14="http://schemas.microsoft.com/office/powerpoint/2010/main" xmlns="" val="1330360761"/>
       </p:ext>
     </p:extLst>
   </p:cSld>
@@ -3169,7 +3170,7 @@
     </p:spTree>
     <p:extLst>
       <p:ext uri="{BB962C8B-B14F-4D97-AF65-F5344CB8AC3E}">
-        <p14:creationId xmlns:p14="http://schemas.microsoft.com/office/powerpoint/2010/main" val="4183658161"/>
+        <p14:creationId xmlns:p14="http://schemas.microsoft.com/office/powerpoint/2010/main" xmlns="" val="4183658161"/>
       </p:ext>
     </p:extLst>
   </p:cSld>
@@ -3582,22 +3583,19 @@
           <a:p>
             <a:r>
               <a:rPr lang="de-DE" dirty="0" smtClean="0"/>
-              <a:t>Handys zählen allgemein als Problemmüll, wie fast jedes Elektronisches Gerät</a:t>
-            </a:r>
-          </a:p>
-          <a:p>
+              <a:t>Handys zählen allgemein als Problemmüll, wie fast jedes Elektronisches </a:t>
+            </a:r>
             <a:r>
               <a:rPr lang="de-DE" dirty="0" smtClean="0"/>
-              <a:t>Akkus – In </a:t>
-            </a:r>
-            <a:r>
-              <a:rPr lang="de-DE" dirty="0"/>
-              <a:t>H</a:t>
-            </a:r>
+              <a:t>Gerät</a:t>
+            </a:r>
+          </a:p>
+          <a:p>
             <a:r>
               <a:rPr lang="de-DE" dirty="0" smtClean="0"/>
-              <a:t>andys sehr häufig verbaut -enthalten Stoffe wie Cadmium und Quecksilber</a:t>
-            </a:r>
+              <a:t>Grund??</a:t>
+            </a:r>
+            <a:endParaRPr lang="de-DE" dirty="0" smtClean="0"/>
           </a:p>
           <a:p>
             <a:endParaRPr lang="de-DE" dirty="0"/>
@@ -3609,6 +3607,13 @@
   <p:clrMapOvr>
     <a:masterClrMapping/>
   </p:clrMapOvr>
+  <p:timing>
+    <p:tnLst>
+      <p:par>
+        <p:cTn id="1" dur="indefinite" restart="never" nodeType="tmRoot"/>
+      </p:par>
+    </p:tnLst>
+  </p:timing>
 </p:sld>
 </file>
 
@@ -3644,7 +3649,11 @@
           <a:bodyPr/>
           <a:lstStyle/>
           <a:p>
-            <a:endParaRPr lang="de-DE"/>
+            <a:r>
+              <a:rPr lang="de-DE" dirty="0" smtClean="0"/>
+              <a:t>Giftige Stoffe im Handy…</a:t>
+            </a:r>
+            <a:endParaRPr lang="de-DE" dirty="0"/>
           </a:p>
         </p:txBody>
       </p:sp>
@@ -3673,40 +3682,44 @@
           <a:p>
             <a:r>
               <a:rPr lang="de-DE" dirty="0" smtClean="0"/>
-              <a:t>Brom Chrom Blei Quecksilber Cadmium</a:t>
-            </a:r>
+              <a:t>Brom </a:t>
+            </a:r>
+            <a:endParaRPr lang="de-DE" dirty="0" smtClean="0"/>
           </a:p>
           <a:p>
             <a:r>
               <a:rPr lang="de-DE" dirty="0" smtClean="0"/>
-              <a:t>Diese </a:t>
-            </a:r>
-            <a:r>
-              <a:rPr lang="de-DE" dirty="0" err="1" smtClean="0"/>
-              <a:t>Chemichalien</a:t>
-            </a:r>
+              <a:t>Chrom </a:t>
+            </a:r>
+          </a:p>
+          <a:p>
             <a:r>
               <a:rPr lang="de-DE" dirty="0" smtClean="0"/>
-              <a:t> können zu Geburtsdefekten und Gesundheitsstörungen führen Nutzung an sich eines Handys nicht gefährlich</a:t>
+              <a:t>Blei </a:t>
             </a:r>
           </a:p>
           <a:p>
             <a:r>
               <a:rPr lang="de-DE" dirty="0" smtClean="0"/>
-              <a:t>Krasses Beispiel: </a:t>
-            </a:r>
-            <a:r>
-              <a:rPr lang="de-DE" dirty="0" err="1"/>
-              <a:t>Agbogbloshie</a:t>
-            </a:r>
-            <a:r>
-              <a:rPr lang="de-DE" dirty="0"/>
-              <a:t>, ein Vorort der ghanaischen Hauptstadt </a:t>
-            </a:r>
+              <a:t>Akkus</a:t>
+            </a:r>
+          </a:p>
+          <a:p>
+            <a:pPr lvl="1"/>
             <a:r>
               <a:rPr lang="de-DE" dirty="0" smtClean="0"/>
-              <a:t>Accra ist komplett verseucht</a:t>
-            </a:r>
+              <a:t> Cadmium</a:t>
+            </a:r>
+          </a:p>
+          <a:p>
+            <a:pPr lvl="1"/>
+            <a:r>
+              <a:rPr lang="de-DE" smtClean="0"/>
+              <a:t>Quecksilber</a:t>
+            </a:r>
+            <a:endParaRPr lang="de-DE" dirty="0" smtClean="0"/>
+          </a:p>
+          <a:p>
             <a:endParaRPr lang="de-DE" dirty="0"/>
           </a:p>
         </p:txBody>
@@ -3716,6 +3729,13 @@
   <p:clrMapOvr>
     <a:masterClrMapping/>
   </p:clrMapOvr>
+  <p:timing>
+    <p:tnLst>
+      <p:par>
+        <p:cTn id="1" dur="indefinite" restart="never" nodeType="tmRoot"/>
+      </p:par>
+    </p:tnLst>
+  </p:timing>
 </p:sld>
 </file>
 
@@ -3753,7 +3773,7 @@
           <a:p>
             <a:r>
               <a:rPr lang="de-DE" dirty="0" smtClean="0"/>
-              <a:t>Quellen</a:t>
+              <a:t>…und ihre Auswirkungen</a:t>
             </a:r>
             <a:endParaRPr lang="de-DE" dirty="0"/>
           </a:p>
@@ -3775,18 +3795,33 @@
           <a:lstStyle/>
           <a:p>
             <a:r>
-              <a:rPr lang="de-DE" dirty="0" smtClean="0">
-                <a:hlinkClick r:id="rId2"/>
-              </a:rPr>
-              <a:t>http://www.bild.de/digital/smartphone-und-tablet/smartphone/smartphone-studie-chemische-schadstoffe-in-iphone-und-co-26606292.bild.html</a:t>
-            </a:r>
-            <a:endParaRPr lang="de-DE" dirty="0" smtClean="0"/>
-          </a:p>
-          <a:p>
-            <a:r>
               <a:rPr lang="de-DE" dirty="0" smtClean="0"/>
-              <a:t>http://www.ecocenter.org/healthy-stuff/</a:t>
-            </a:r>
+              <a:t>Diese Chemikalien können zu Geburtsdefekten und Gesundheitsstörungen führen Nutzung an sich eines Handys nicht gefährlich</a:t>
+            </a:r>
+          </a:p>
+          <a:p>
+            <a:r>
+              <a:rPr lang="de-DE" dirty="0" smtClean="0"/>
+              <a:t>Extremes Beispiel: </a:t>
+            </a:r>
+            <a:r>
+              <a:rPr lang="de-DE" dirty="0" err="1" smtClean="0"/>
+              <a:t>Agbogbloshie</a:t>
+            </a:r>
+            <a:r>
+              <a:rPr lang="de-DE" dirty="0" smtClean="0"/>
+              <a:t>, ein Vorort der ghanaischen </a:t>
+            </a:r>
+            <a:r>
+              <a:rPr lang="de-DE" dirty="0" smtClean="0"/>
+              <a:t>Accra </a:t>
+            </a:r>
+            <a:r>
+              <a:rPr lang="de-DE" dirty="0" smtClean="0"/>
+              <a:t>ist komplett verseucht</a:t>
+            </a:r>
+          </a:p>
+          <a:p>
             <a:endParaRPr lang="de-DE" dirty="0"/>
           </a:p>
         </p:txBody>
@@ -3796,6 +3831,93 @@
   <p:clrMapOvr>
     <a:masterClrMapping/>
   </p:clrMapOvr>
+</p:sld>
+</file>
+
+<file path=ppt/slides/slide4.xml><?xml version="1.0" encoding="utf-8"?>
+<p:sld xmlns:a="http://schemas.openxmlformats.org/drawingml/2006/main" xmlns:r="http://schemas.openxmlformats.org/officeDocument/2006/relationships" xmlns:p="http://schemas.openxmlformats.org/presentationml/2006/main">
+  <p:cSld>
+    <p:spTree>
+      <p:nvGrpSpPr>
+        <p:cNvPr id="1" name=""/>
+        <p:cNvGrpSpPr/>
+        <p:nvPr/>
+      </p:nvGrpSpPr>
+      <p:grpSpPr>
+        <a:xfrm>
+          <a:off x="0" y="0"/>
+          <a:ext cx="0" cy="0"/>
+          <a:chOff x="0" y="0"/>
+          <a:chExt cx="0" cy="0"/>
+        </a:xfrm>
+      </p:grpSpPr>
+      <p:sp>
+        <p:nvSpPr>
+          <p:cNvPr id="2" name="Titel 1"/>
+          <p:cNvSpPr>
+            <a:spLocks noGrp="1"/>
+          </p:cNvSpPr>
+          <p:nvPr>
+            <p:ph type="title"/>
+          </p:nvPr>
+        </p:nvSpPr>
+        <p:spPr/>
+        <p:txBody>
+          <a:bodyPr/>
+          <a:lstStyle/>
+          <a:p>
+            <a:r>
+              <a:rPr lang="de-DE" dirty="0" smtClean="0"/>
+              <a:t>Quellen</a:t>
+            </a:r>
+            <a:endParaRPr lang="de-DE" dirty="0"/>
+          </a:p>
+        </p:txBody>
+      </p:sp>
+      <p:sp>
+        <p:nvSpPr>
+          <p:cNvPr id="3" name="Inhaltsplatzhalter 2"/>
+          <p:cNvSpPr>
+            <a:spLocks noGrp="1"/>
+          </p:cNvSpPr>
+          <p:nvPr>
+            <p:ph idx="1"/>
+          </p:nvPr>
+        </p:nvSpPr>
+        <p:spPr/>
+        <p:txBody>
+          <a:bodyPr/>
+          <a:lstStyle/>
+          <a:p>
+            <a:r>
+              <a:rPr lang="de-DE" dirty="0" smtClean="0">
+                <a:hlinkClick r:id="rId2"/>
+              </a:rPr>
+              <a:t>http://www.bild.de/digital/smartphone-und-tablet/smartphone/smartphone-studie-chemische-schadstoffe-in-iphone-und-co-26606292.bild.html</a:t>
+            </a:r>
+            <a:endParaRPr lang="de-DE" dirty="0" smtClean="0"/>
+          </a:p>
+          <a:p>
+            <a:r>
+              <a:rPr lang="de-DE" dirty="0" smtClean="0"/>
+              <a:t>http://www.ecocenter.org/healthy-stuff/</a:t>
+            </a:r>
+            <a:endParaRPr lang="de-DE" dirty="0"/>
+          </a:p>
+        </p:txBody>
+      </p:sp>
+    </p:spTree>
+  </p:cSld>
+  <p:clrMapOvr>
+    <a:masterClrMapping/>
+  </p:clrMapOvr>
+  <p:timing>
+    <p:tnLst>
+      <p:par>
+        <p:cTn id="1" dur="indefinite" restart="never" nodeType="tmRoot"/>
+      </p:par>
+    </p:tnLst>
+  </p:timing>
 </p:sld>
 </file>
 

--- a/Tobi Goeckel - Problemmüll im Handy.pptx
+++ b/Tobi Goeckel - Problemmüll im Handy.pptx
@@ -109,7 +109,7 @@
   </p:defaultTextStyle>
   <p:extLst>
     <p:ext uri="{EFAFB233-063F-42B5-8137-9DF3F51BA10A}">
-      <p15:sldGuideLst xmlns:p15="http://schemas.microsoft.com/office/powerpoint/2012/main" xmlns="">
+      <p15:sldGuideLst xmlns="" xmlns:p15="http://schemas.microsoft.com/office/powerpoint/2012/main">
         <p15:guide id="1" orient="horz" pos="2160">
           <p15:clr>
             <a:srgbClr val="A4A3A4"/>
@@ -390,7 +390,7 @@
     </p:spTree>
     <p:extLst>
       <p:ext uri="{BB962C8B-B14F-4D97-AF65-F5344CB8AC3E}">
-        <p14:creationId xmlns:p14="http://schemas.microsoft.com/office/powerpoint/2010/main" xmlns="" val="2999019085"/>
+        <p14:creationId xmlns="" xmlns:p14="http://schemas.microsoft.com/office/powerpoint/2010/main" val="2999019085"/>
       </p:ext>
     </p:extLst>
   </p:cSld>
@@ -586,7 +586,7 @@
     </p:spTree>
     <p:extLst>
       <p:ext uri="{BB962C8B-B14F-4D97-AF65-F5344CB8AC3E}">
-        <p14:creationId xmlns:p14="http://schemas.microsoft.com/office/powerpoint/2010/main" xmlns="" val="408051028"/>
+        <p14:creationId xmlns="" xmlns:p14="http://schemas.microsoft.com/office/powerpoint/2010/main" val="408051028"/>
       </p:ext>
     </p:extLst>
   </p:cSld>
@@ -792,7 +792,7 @@
     </p:spTree>
     <p:extLst>
       <p:ext uri="{BB962C8B-B14F-4D97-AF65-F5344CB8AC3E}">
-        <p14:creationId xmlns:p14="http://schemas.microsoft.com/office/powerpoint/2010/main" xmlns="" val="3247626586"/>
+        <p14:creationId xmlns="" xmlns:p14="http://schemas.microsoft.com/office/powerpoint/2010/main" val="3247626586"/>
       </p:ext>
     </p:extLst>
   </p:cSld>
@@ -988,7 +988,7 @@
     </p:spTree>
     <p:extLst>
       <p:ext uri="{BB962C8B-B14F-4D97-AF65-F5344CB8AC3E}">
-        <p14:creationId xmlns:p14="http://schemas.microsoft.com/office/powerpoint/2010/main" xmlns="" val="2193808322"/>
+        <p14:creationId xmlns="" xmlns:p14="http://schemas.microsoft.com/office/powerpoint/2010/main" val="2193808322"/>
       </p:ext>
     </p:extLst>
   </p:cSld>
@@ -1258,7 +1258,7 @@
     </p:spTree>
     <p:extLst>
       <p:ext uri="{BB962C8B-B14F-4D97-AF65-F5344CB8AC3E}">
-        <p14:creationId xmlns:p14="http://schemas.microsoft.com/office/powerpoint/2010/main" xmlns="" val="3135091839"/>
+        <p14:creationId xmlns="" xmlns:p14="http://schemas.microsoft.com/office/powerpoint/2010/main" val="3135091839"/>
       </p:ext>
     </p:extLst>
   </p:cSld>
@@ -1521,7 +1521,7 @@
     </p:spTree>
     <p:extLst>
       <p:ext uri="{BB962C8B-B14F-4D97-AF65-F5344CB8AC3E}">
-        <p14:creationId xmlns:p14="http://schemas.microsoft.com/office/powerpoint/2010/main" xmlns="" val="2731284298"/>
+        <p14:creationId xmlns="" xmlns:p14="http://schemas.microsoft.com/office/powerpoint/2010/main" val="2731284298"/>
       </p:ext>
     </p:extLst>
   </p:cSld>
@@ -1926,7 +1926,7 @@
     </p:spTree>
     <p:extLst>
       <p:ext uri="{BB962C8B-B14F-4D97-AF65-F5344CB8AC3E}">
-        <p14:creationId xmlns:p14="http://schemas.microsoft.com/office/powerpoint/2010/main" xmlns="" val="1817672160"/>
+        <p14:creationId xmlns="" xmlns:p14="http://schemas.microsoft.com/office/powerpoint/2010/main" val="1817672160"/>
       </p:ext>
     </p:extLst>
   </p:cSld>
@@ -2070,7 +2070,7 @@
     </p:spTree>
     <p:extLst>
       <p:ext uri="{BB962C8B-B14F-4D97-AF65-F5344CB8AC3E}">
-        <p14:creationId xmlns:p14="http://schemas.microsoft.com/office/powerpoint/2010/main" xmlns="" val="1344573123"/>
+        <p14:creationId xmlns="" xmlns:p14="http://schemas.microsoft.com/office/powerpoint/2010/main" val="1344573123"/>
       </p:ext>
     </p:extLst>
   </p:cSld>
@@ -2191,7 +2191,7 @@
     </p:spTree>
     <p:extLst>
       <p:ext uri="{BB962C8B-B14F-4D97-AF65-F5344CB8AC3E}">
-        <p14:creationId xmlns:p14="http://schemas.microsoft.com/office/powerpoint/2010/main" xmlns="" val="2770252392"/>
+        <p14:creationId xmlns="" xmlns:p14="http://schemas.microsoft.com/office/powerpoint/2010/main" val="2770252392"/>
       </p:ext>
     </p:extLst>
   </p:cSld>
@@ -2496,7 +2496,7 @@
     </p:spTree>
     <p:extLst>
       <p:ext uri="{BB962C8B-B14F-4D97-AF65-F5344CB8AC3E}">
-        <p14:creationId xmlns:p14="http://schemas.microsoft.com/office/powerpoint/2010/main" xmlns="" val="3994014644"/>
+        <p14:creationId xmlns="" xmlns:p14="http://schemas.microsoft.com/office/powerpoint/2010/main" val="3994014644"/>
       </p:ext>
     </p:extLst>
   </p:cSld>
@@ -2799,7 +2799,7 @@
     </p:spTree>
     <p:extLst>
       <p:ext uri="{BB962C8B-B14F-4D97-AF65-F5344CB8AC3E}">
-        <p14:creationId xmlns:p14="http://schemas.microsoft.com/office/powerpoint/2010/main" xmlns="" val="1330360761"/>
+        <p14:creationId xmlns="" xmlns:p14="http://schemas.microsoft.com/office/powerpoint/2010/main" val="1330360761"/>
       </p:ext>
     </p:extLst>
   </p:cSld>
@@ -3170,7 +3170,7 @@
     </p:spTree>
     <p:extLst>
       <p:ext uri="{BB962C8B-B14F-4D97-AF65-F5344CB8AC3E}">
-        <p14:creationId xmlns:p14="http://schemas.microsoft.com/office/powerpoint/2010/main" xmlns="" val="4183658161"/>
+        <p14:creationId xmlns="" xmlns:p14="http://schemas.microsoft.com/office/powerpoint/2010/main" val="4183658161"/>
       </p:ext>
     </p:extLst>
   </p:cSld>
@@ -3583,11 +3583,7 @@
           <a:p>
             <a:r>
               <a:rPr lang="de-DE" dirty="0" smtClean="0"/>
-              <a:t>Handys zählen allgemein als Problemmüll, wie fast jedes Elektronisches </a:t>
-            </a:r>
-            <a:r>
-              <a:rPr lang="de-DE" dirty="0" smtClean="0"/>
-              <a:t>Gerät</a:t>
+              <a:t>Handys zählen allgemein als Problemmüll, wie fast jedes Elektronisches Gerät</a:t>
             </a:r>
           </a:p>
           <a:p>
@@ -3595,7 +3591,6 @@
               <a:rPr lang="de-DE" dirty="0" smtClean="0"/>
               <a:t>Grund??</a:t>
             </a:r>
-            <a:endParaRPr lang="de-DE" dirty="0" smtClean="0"/>
           </a:p>
           <a:p>
             <a:endParaRPr lang="de-DE" dirty="0"/>
@@ -3610,9 +3605,179 @@
   <p:timing>
     <p:tnLst>
       <p:par>
-        <p:cTn id="1" dur="indefinite" restart="never" nodeType="tmRoot"/>
+        <p:cTn id="1" dur="indefinite" restart="never" nodeType="tmRoot">
+          <p:childTnLst>
+            <p:seq concurrent="1" nextAc="seek">
+              <p:cTn id="2" dur="indefinite" nodeType="mainSeq">
+                <p:childTnLst>
+                  <p:par>
+                    <p:cTn id="3" fill="hold">
+                      <p:stCondLst>
+                        <p:cond delay="indefinite"/>
+                      </p:stCondLst>
+                      <p:childTnLst>
+                        <p:par>
+                          <p:cTn id="4" fill="hold">
+                            <p:stCondLst>
+                              <p:cond delay="0"/>
+                            </p:stCondLst>
+                            <p:childTnLst>
+                              <p:par>
+                                <p:cTn id="5" presetID="1" presetClass="entr" presetSubtype="0" fill="hold" grpId="0" nodeType="clickEffect">
+                                  <p:stCondLst>
+                                    <p:cond delay="0"/>
+                                  </p:stCondLst>
+                                  <p:childTnLst>
+                                    <p:set>
+                                      <p:cBhvr>
+                                        <p:cTn id="6" dur="1" fill="hold">
+                                          <p:stCondLst>
+                                            <p:cond delay="0"/>
+                                          </p:stCondLst>
+                                        </p:cTn>
+                                        <p:tgtEl>
+                                          <p:spTgt spid="6"/>
+                                        </p:tgtEl>
+                                        <p:attrNameLst>
+                                          <p:attrName>style.visibility</p:attrName>
+                                        </p:attrNameLst>
+                                      </p:cBhvr>
+                                      <p:to>
+                                        <p:strVal val="visible"/>
+                                      </p:to>
+                                    </p:set>
+                                  </p:childTnLst>
+                                </p:cTn>
+                              </p:par>
+                            </p:childTnLst>
+                          </p:cTn>
+                        </p:par>
+                      </p:childTnLst>
+                    </p:cTn>
+                  </p:par>
+                  <p:par>
+                    <p:cTn id="7" fill="hold">
+                      <p:stCondLst>
+                        <p:cond delay="indefinite"/>
+                      </p:stCondLst>
+                      <p:childTnLst>
+                        <p:par>
+                          <p:cTn id="8" fill="hold">
+                            <p:stCondLst>
+                              <p:cond delay="0"/>
+                            </p:stCondLst>
+                            <p:childTnLst>
+                              <p:par>
+                                <p:cTn id="9" presetID="1" presetClass="entr" presetSubtype="0" fill="hold" grpId="0" nodeType="clickEffect">
+                                  <p:stCondLst>
+                                    <p:cond delay="0"/>
+                                  </p:stCondLst>
+                                  <p:childTnLst>
+                                    <p:set>
+                                      <p:cBhvr>
+                                        <p:cTn id="10" dur="1" fill="hold">
+                                          <p:stCondLst>
+                                            <p:cond delay="0"/>
+                                          </p:stCondLst>
+                                        </p:cTn>
+                                        <p:tgtEl>
+                                          <p:spTgt spid="7">
+                                            <p:txEl>
+                                              <p:pRg st="0" end="0"/>
+                                            </p:txEl>
+                                          </p:spTgt>
+                                        </p:tgtEl>
+                                        <p:attrNameLst>
+                                          <p:attrName>style.visibility</p:attrName>
+                                        </p:attrNameLst>
+                                      </p:cBhvr>
+                                      <p:to>
+                                        <p:strVal val="visible"/>
+                                      </p:to>
+                                    </p:set>
+                                  </p:childTnLst>
+                                </p:cTn>
+                              </p:par>
+                            </p:childTnLst>
+                          </p:cTn>
+                        </p:par>
+                      </p:childTnLst>
+                    </p:cTn>
+                  </p:par>
+                  <p:par>
+                    <p:cTn id="11" fill="hold">
+                      <p:stCondLst>
+                        <p:cond delay="indefinite"/>
+                      </p:stCondLst>
+                      <p:childTnLst>
+                        <p:par>
+                          <p:cTn id="12" fill="hold">
+                            <p:stCondLst>
+                              <p:cond delay="0"/>
+                            </p:stCondLst>
+                            <p:childTnLst>
+                              <p:par>
+                                <p:cTn id="13" presetID="1" presetClass="entr" presetSubtype="0" fill="hold" grpId="0" nodeType="clickEffect">
+                                  <p:stCondLst>
+                                    <p:cond delay="0"/>
+                                  </p:stCondLst>
+                                  <p:childTnLst>
+                                    <p:set>
+                                      <p:cBhvr>
+                                        <p:cTn id="14" dur="1" fill="hold">
+                                          <p:stCondLst>
+                                            <p:cond delay="0"/>
+                                          </p:stCondLst>
+                                        </p:cTn>
+                                        <p:tgtEl>
+                                          <p:spTgt spid="7">
+                                            <p:txEl>
+                                              <p:pRg st="1" end="1"/>
+                                            </p:txEl>
+                                          </p:spTgt>
+                                        </p:tgtEl>
+                                        <p:attrNameLst>
+                                          <p:attrName>style.visibility</p:attrName>
+                                        </p:attrNameLst>
+                                      </p:cBhvr>
+                                      <p:to>
+                                        <p:strVal val="visible"/>
+                                      </p:to>
+                                    </p:set>
+                                  </p:childTnLst>
+                                </p:cTn>
+                              </p:par>
+                            </p:childTnLst>
+                          </p:cTn>
+                        </p:par>
+                      </p:childTnLst>
+                    </p:cTn>
+                  </p:par>
+                </p:childTnLst>
+              </p:cTn>
+              <p:prevCondLst>
+                <p:cond evt="onPrev" delay="0">
+                  <p:tgtEl>
+                    <p:sldTgt/>
+                  </p:tgtEl>
+                </p:cond>
+              </p:prevCondLst>
+              <p:nextCondLst>
+                <p:cond evt="onNext" delay="0">
+                  <p:tgtEl>
+                    <p:sldTgt/>
+                  </p:tgtEl>
+                </p:cond>
+              </p:nextCondLst>
+            </p:seq>
+          </p:childTnLst>
+        </p:cTn>
       </p:par>
     </p:tnLst>
+    <p:bldLst>
+      <p:bldP spid="6" grpId="0"/>
+      <p:bldP spid="7" grpId="0" uiExpand="1" build="p"/>
+    </p:bldLst>
   </p:timing>
 </p:sld>
 </file>
@@ -3676,12 +3841,6 @@
           <a:p>
             <a:r>
               <a:rPr lang="de-DE" dirty="0" smtClean="0"/>
-              <a:t>Schwermetalle </a:t>
-            </a:r>
-          </a:p>
-          <a:p>
-            <a:r>
-              <a:rPr lang="de-DE" dirty="0" smtClean="0"/>
               <a:t>Brom </a:t>
             </a:r>
             <a:endParaRPr lang="de-DE" dirty="0" smtClean="0"/>
@@ -3695,32 +3854,35 @@
           <a:p>
             <a:r>
               <a:rPr lang="de-DE" dirty="0" smtClean="0"/>
+              <a:t>Akkus</a:t>
+            </a:r>
+            <a:endParaRPr lang="de-DE" dirty="0" smtClean="0"/>
+          </a:p>
+          <a:p>
+            <a:pPr lvl="1"/>
+            <a:r>
+              <a:rPr lang="de-DE" dirty="0" smtClean="0"/>
+              <a:t>Cadmium</a:t>
+            </a:r>
+            <a:endParaRPr lang="de-DE" dirty="0" smtClean="0"/>
+          </a:p>
+          <a:p>
+            <a:pPr lvl="1"/>
+            <a:r>
+              <a:rPr lang="de-DE" dirty="0" smtClean="0"/>
+              <a:t>Quecksilber</a:t>
+            </a:r>
+          </a:p>
+          <a:p>
+            <a:pPr lvl="1"/>
+            <a:r>
+              <a:rPr lang="de-DE" dirty="0" smtClean="0"/>
               <a:t>Blei </a:t>
             </a:r>
           </a:p>
           <a:p>
-            <a:r>
-              <a:rPr lang="de-DE" dirty="0" smtClean="0"/>
-              <a:t>Akkus</a:t>
-            </a:r>
-          </a:p>
-          <a:p>
             <a:pPr lvl="1"/>
-            <a:r>
-              <a:rPr lang="de-DE" dirty="0" smtClean="0"/>
-              <a:t> Cadmium</a:t>
-            </a:r>
-          </a:p>
-          <a:p>
-            <a:pPr lvl="1"/>
-            <a:r>
-              <a:rPr lang="de-DE" smtClean="0"/>
-              <a:t>Quecksilber</a:t>
-            </a:r>
             <a:endParaRPr lang="de-DE" dirty="0" smtClean="0"/>
-          </a:p>
-          <a:p>
-            <a:endParaRPr lang="de-DE" dirty="0"/>
           </a:p>
         </p:txBody>
       </p:sp>
@@ -3732,9 +3894,324 @@
   <p:timing>
     <p:tnLst>
       <p:par>
-        <p:cTn id="1" dur="indefinite" restart="never" nodeType="tmRoot"/>
+        <p:cTn id="1" dur="indefinite" restart="never" nodeType="tmRoot">
+          <p:childTnLst>
+            <p:seq concurrent="1" nextAc="seek">
+              <p:cTn id="2" dur="indefinite" nodeType="mainSeq">
+                <p:childTnLst>
+                  <p:par>
+                    <p:cTn id="3" fill="hold">
+                      <p:stCondLst>
+                        <p:cond delay="indefinite"/>
+                        <p:cond evt="onBegin" delay="0">
+                          <p:tn val="2"/>
+                        </p:cond>
+                      </p:stCondLst>
+                      <p:childTnLst>
+                        <p:par>
+                          <p:cTn id="4" fill="hold">
+                            <p:stCondLst>
+                              <p:cond delay="0"/>
+                            </p:stCondLst>
+                            <p:childTnLst>
+                              <p:par>
+                                <p:cTn id="5" presetID="1" presetClass="entr" presetSubtype="0" fill="hold" grpId="0" nodeType="withEffect">
+                                  <p:stCondLst>
+                                    <p:cond delay="0"/>
+                                  </p:stCondLst>
+                                  <p:childTnLst>
+                                    <p:set>
+                                      <p:cBhvr>
+                                        <p:cTn id="6" dur="1" fill="hold">
+                                          <p:stCondLst>
+                                            <p:cond delay="0"/>
+                                          </p:stCondLst>
+                                        </p:cTn>
+                                        <p:tgtEl>
+                                          <p:spTgt spid="2"/>
+                                        </p:tgtEl>
+                                        <p:attrNameLst>
+                                          <p:attrName>style.visibility</p:attrName>
+                                        </p:attrNameLst>
+                                      </p:cBhvr>
+                                      <p:to>
+                                        <p:strVal val="visible"/>
+                                      </p:to>
+                                    </p:set>
+                                  </p:childTnLst>
+                                </p:cTn>
+                              </p:par>
+                            </p:childTnLst>
+                          </p:cTn>
+                        </p:par>
+                      </p:childTnLst>
+                    </p:cTn>
+                  </p:par>
+                  <p:par>
+                    <p:cTn id="7" fill="hold">
+                      <p:stCondLst>
+                        <p:cond delay="indefinite"/>
+                      </p:stCondLst>
+                      <p:childTnLst>
+                        <p:par>
+                          <p:cTn id="8" fill="hold">
+                            <p:stCondLst>
+                              <p:cond delay="0"/>
+                            </p:stCondLst>
+                            <p:childTnLst>
+                              <p:par>
+                                <p:cTn id="9" presetID="1" presetClass="entr" presetSubtype="0" fill="hold" grpId="0" nodeType="clickEffect">
+                                  <p:stCondLst>
+                                    <p:cond delay="0"/>
+                                  </p:stCondLst>
+                                  <p:childTnLst>
+                                    <p:set>
+                                      <p:cBhvr>
+                                        <p:cTn id="10" dur="1" fill="hold">
+                                          <p:stCondLst>
+                                            <p:cond delay="0"/>
+                                          </p:stCondLst>
+                                        </p:cTn>
+                                        <p:tgtEl>
+                                          <p:spTgt spid="3">
+                                            <p:txEl>
+                                              <p:pRg st="0" end="0"/>
+                                            </p:txEl>
+                                          </p:spTgt>
+                                        </p:tgtEl>
+                                        <p:attrNameLst>
+                                          <p:attrName>style.visibility</p:attrName>
+                                        </p:attrNameLst>
+                                      </p:cBhvr>
+                                      <p:to>
+                                        <p:strVal val="visible"/>
+                                      </p:to>
+                                    </p:set>
+                                  </p:childTnLst>
+                                </p:cTn>
+                              </p:par>
+                            </p:childTnLst>
+                          </p:cTn>
+                        </p:par>
+                      </p:childTnLst>
+                    </p:cTn>
+                  </p:par>
+                  <p:par>
+                    <p:cTn id="11" fill="hold">
+                      <p:stCondLst>
+                        <p:cond delay="indefinite"/>
+                      </p:stCondLst>
+                      <p:childTnLst>
+                        <p:par>
+                          <p:cTn id="12" fill="hold">
+                            <p:stCondLst>
+                              <p:cond delay="0"/>
+                            </p:stCondLst>
+                            <p:childTnLst>
+                              <p:par>
+                                <p:cTn id="13" presetID="1" presetClass="entr" presetSubtype="0" fill="hold" grpId="0" nodeType="clickEffect">
+                                  <p:stCondLst>
+                                    <p:cond delay="0"/>
+                                  </p:stCondLst>
+                                  <p:childTnLst>
+                                    <p:set>
+                                      <p:cBhvr>
+                                        <p:cTn id="14" dur="1" fill="hold">
+                                          <p:stCondLst>
+                                            <p:cond delay="0"/>
+                                          </p:stCondLst>
+                                        </p:cTn>
+                                        <p:tgtEl>
+                                          <p:spTgt spid="3">
+                                            <p:txEl>
+                                              <p:pRg st="1" end="1"/>
+                                            </p:txEl>
+                                          </p:spTgt>
+                                        </p:tgtEl>
+                                        <p:attrNameLst>
+                                          <p:attrName>style.visibility</p:attrName>
+                                        </p:attrNameLst>
+                                      </p:cBhvr>
+                                      <p:to>
+                                        <p:strVal val="visible"/>
+                                      </p:to>
+                                    </p:set>
+                                  </p:childTnLst>
+                                </p:cTn>
+                              </p:par>
+                            </p:childTnLst>
+                          </p:cTn>
+                        </p:par>
+                      </p:childTnLst>
+                    </p:cTn>
+                  </p:par>
+                  <p:par>
+                    <p:cTn id="15" fill="hold">
+                      <p:stCondLst>
+                        <p:cond delay="indefinite"/>
+                      </p:stCondLst>
+                      <p:childTnLst>
+                        <p:par>
+                          <p:cTn id="16" fill="hold">
+                            <p:stCondLst>
+                              <p:cond delay="0"/>
+                            </p:stCondLst>
+                            <p:childTnLst>
+                              <p:par>
+                                <p:cTn id="17" presetID="1" presetClass="entr" presetSubtype="0" fill="hold" grpId="0" nodeType="clickEffect">
+                                  <p:stCondLst>
+                                    <p:cond delay="0"/>
+                                  </p:stCondLst>
+                                  <p:childTnLst>
+                                    <p:set>
+                                      <p:cBhvr>
+                                        <p:cTn id="18" dur="1" fill="hold">
+                                          <p:stCondLst>
+                                            <p:cond delay="0"/>
+                                          </p:stCondLst>
+                                        </p:cTn>
+                                        <p:tgtEl>
+                                          <p:spTgt spid="3">
+                                            <p:txEl>
+                                              <p:pRg st="2" end="2"/>
+                                            </p:txEl>
+                                          </p:spTgt>
+                                        </p:tgtEl>
+                                        <p:attrNameLst>
+                                          <p:attrName>style.visibility</p:attrName>
+                                        </p:attrNameLst>
+                                      </p:cBhvr>
+                                      <p:to>
+                                        <p:strVal val="visible"/>
+                                      </p:to>
+                                    </p:set>
+                                  </p:childTnLst>
+                                </p:cTn>
+                              </p:par>
+                              <p:par>
+                                <p:cTn id="19" presetID="1" presetClass="entr" presetSubtype="0" fill="hold" grpId="0" nodeType="withEffect">
+                                  <p:stCondLst>
+                                    <p:cond delay="0"/>
+                                  </p:stCondLst>
+                                  <p:childTnLst>
+                                    <p:set>
+                                      <p:cBhvr>
+                                        <p:cTn id="20" dur="1" fill="hold">
+                                          <p:stCondLst>
+                                            <p:cond delay="0"/>
+                                          </p:stCondLst>
+                                        </p:cTn>
+                                        <p:tgtEl>
+                                          <p:spTgt spid="3">
+                                            <p:txEl>
+                                              <p:pRg st="3" end="3"/>
+                                            </p:txEl>
+                                          </p:spTgt>
+                                        </p:tgtEl>
+                                        <p:attrNameLst>
+                                          <p:attrName>style.visibility</p:attrName>
+                                        </p:attrNameLst>
+                                      </p:cBhvr>
+                                      <p:to>
+                                        <p:strVal val="visible"/>
+                                      </p:to>
+                                    </p:set>
+                                  </p:childTnLst>
+                                </p:cTn>
+                              </p:par>
+                              <p:par>
+                                <p:cTn id="21" presetID="1" presetClass="entr" presetSubtype="0" fill="hold" grpId="0" nodeType="withEffect">
+                                  <p:stCondLst>
+                                    <p:cond delay="0"/>
+                                  </p:stCondLst>
+                                  <p:childTnLst>
+                                    <p:set>
+                                      <p:cBhvr>
+                                        <p:cTn id="22" dur="1" fill="hold">
+                                          <p:stCondLst>
+                                            <p:cond delay="0"/>
+                                          </p:stCondLst>
+                                        </p:cTn>
+                                        <p:tgtEl>
+                                          <p:spTgt spid="3">
+                                            <p:txEl>
+                                              <p:pRg st="4" end="4"/>
+                                            </p:txEl>
+                                          </p:spTgt>
+                                        </p:tgtEl>
+                                        <p:attrNameLst>
+                                          <p:attrName>style.visibility</p:attrName>
+                                        </p:attrNameLst>
+                                      </p:cBhvr>
+                                      <p:to>
+                                        <p:strVal val="visible"/>
+                                      </p:to>
+                                    </p:set>
+                                  </p:childTnLst>
+                                </p:cTn>
+                              </p:par>
+                              <p:par>
+                                <p:cTn id="23" presetID="1" presetClass="entr" presetSubtype="0" fill="hold" grpId="0" nodeType="withEffect">
+                                  <p:stCondLst>
+                                    <p:cond delay="0"/>
+                                  </p:stCondLst>
+                                  <p:childTnLst>
+                                    <p:set>
+                                      <p:cBhvr>
+                                        <p:cTn id="24" dur="1" fill="hold">
+                                          <p:stCondLst>
+                                            <p:cond delay="0"/>
+                                          </p:stCondLst>
+                                        </p:cTn>
+                                        <p:tgtEl>
+                                          <p:spTgt spid="3">
+                                            <p:txEl>
+                                              <p:pRg st="5" end="5"/>
+                                            </p:txEl>
+                                          </p:spTgt>
+                                        </p:tgtEl>
+                                        <p:attrNameLst>
+                                          <p:attrName>style.visibility</p:attrName>
+                                        </p:attrNameLst>
+                                      </p:cBhvr>
+                                      <p:to>
+                                        <p:strVal val="visible"/>
+                                      </p:to>
+                                    </p:set>
+                                  </p:childTnLst>
+                                </p:cTn>
+                              </p:par>
+                            </p:childTnLst>
+                          </p:cTn>
+                        </p:par>
+                      </p:childTnLst>
+                    </p:cTn>
+                  </p:par>
+                </p:childTnLst>
+              </p:cTn>
+              <p:prevCondLst>
+                <p:cond evt="onPrev" delay="0">
+                  <p:tgtEl>
+                    <p:sldTgt/>
+                  </p:tgtEl>
+                </p:cond>
+              </p:prevCondLst>
+              <p:nextCondLst>
+                <p:cond evt="onNext" delay="0">
+                  <p:tgtEl>
+                    <p:sldTgt/>
+                  </p:tgtEl>
+                </p:cond>
+              </p:nextCondLst>
+            </p:seq>
+          </p:childTnLst>
+        </p:cTn>
       </p:par>
     </p:tnLst>
+    <p:bldLst>
+      <p:bldP spid="2" grpId="0"/>
+      <p:bldP spid="3" grpId="0" uiExpand="1" build="p"/>
+    </p:bldLst>
   </p:timing>
 </p:sld>
 </file>
@@ -3796,7 +4273,45 @@
           <a:p>
             <a:r>
               <a:rPr lang="de-DE" dirty="0" smtClean="0"/>
-              <a:t>Diese Chemikalien können zu Geburtsdefekten und Gesundheitsstörungen führen Nutzung an sich eines Handys nicht gefährlich</a:t>
+              <a:t>Diese Chemikalien können zu Geburtsdefekten und Gesundheitsstörungen </a:t>
+            </a:r>
+            <a:r>
+              <a:rPr lang="de-DE" dirty="0" smtClean="0"/>
+              <a:t>führen</a:t>
+            </a:r>
+          </a:p>
+          <a:p>
+            <a:r>
+              <a:rPr lang="de-DE" dirty="0" smtClean="0"/>
+              <a:t>ABER:</a:t>
+            </a:r>
+            <a:r>
+              <a:rPr lang="de-DE" dirty="0" smtClean="0"/>
+              <a:t> </a:t>
+            </a:r>
+            <a:r>
+              <a:rPr lang="de-DE" dirty="0" smtClean="0"/>
+              <a:t>Nutzung </a:t>
+            </a:r>
+            <a:r>
+              <a:rPr lang="de-DE" dirty="0" smtClean="0"/>
+              <a:t>eines Handys </a:t>
+            </a:r>
+            <a:r>
+              <a:rPr lang="de-DE" dirty="0" smtClean="0"/>
+              <a:t>an </a:t>
+            </a:r>
+            <a:r>
+              <a:rPr lang="de-DE" dirty="0" smtClean="0"/>
+              <a:t>sich </a:t>
+            </a:r>
+            <a:r>
+              <a:rPr lang="de-DE" dirty="0" smtClean="0"/>
+              <a:t>nicht </a:t>
+            </a:r>
+            <a:r>
+              <a:rPr lang="de-DE" dirty="0" smtClean="0"/>
+              <a:t>gefährlich</a:t>
             </a:r>
           </a:p>
           <a:p>
@@ -3810,15 +4325,7 @@
             </a:r>
             <a:r>
               <a:rPr lang="de-DE" dirty="0" smtClean="0"/>
-              <a:t>, ein Vorort der ghanaischen </a:t>
-            </a:r>
-            <a:r>
-              <a:rPr lang="de-DE" dirty="0" smtClean="0"/>
-              <a:t>Accra </a:t>
-            </a:r>
-            <a:r>
-              <a:rPr lang="de-DE" dirty="0" smtClean="0"/>
-              <a:t>ist komplett verseucht</a:t>
+              <a:t>, ein Vorort der ghanaischen Accra ist komplett verseucht</a:t>
             </a:r>
           </a:p>
           <a:p>
@@ -3826,11 +4333,309 @@
           </a:p>
         </p:txBody>
       </p:sp>
+      <p:pic>
+        <p:nvPicPr>
+          <p:cNvPr id="4" name="Grafik 3" descr="Agbogbloshie.jpg"/>
+          <p:cNvPicPr>
+            <a:picLocks noChangeAspect="1"/>
+          </p:cNvPicPr>
+          <p:nvPr/>
+        </p:nvPicPr>
+        <p:blipFill>
+          <a:blip r:embed="rId2" cstate="print"/>
+          <a:stretch>
+            <a:fillRect/>
+          </a:stretch>
+        </p:blipFill>
+        <p:spPr>
+          <a:xfrm>
+            <a:off x="1115616" y="1700808"/>
+            <a:ext cx="6948264" cy="4111417"/>
+          </a:xfrm>
+          <a:prstGeom prst="rect">
+            <a:avLst/>
+          </a:prstGeom>
+        </p:spPr>
+      </p:pic>
     </p:spTree>
   </p:cSld>
   <p:clrMapOvr>
     <a:masterClrMapping/>
   </p:clrMapOvr>
+  <p:timing>
+    <p:tnLst>
+      <p:par>
+        <p:cTn id="1" dur="indefinite" restart="never" nodeType="tmRoot">
+          <p:childTnLst>
+            <p:seq concurrent="1" nextAc="seek">
+              <p:cTn id="2" dur="indefinite" nodeType="mainSeq">
+                <p:childTnLst>
+                  <p:par>
+                    <p:cTn id="3" fill="hold">
+                      <p:stCondLst>
+                        <p:cond delay="indefinite"/>
+                        <p:cond evt="onBegin" delay="0">
+                          <p:tn val="2"/>
+                        </p:cond>
+                      </p:stCondLst>
+                      <p:childTnLst>
+                        <p:par>
+                          <p:cTn id="4" fill="hold">
+                            <p:stCondLst>
+                              <p:cond delay="0"/>
+                            </p:stCondLst>
+                            <p:childTnLst>
+                              <p:par>
+                                <p:cTn id="5" presetID="1" presetClass="entr" presetSubtype="0" fill="hold" grpId="0" nodeType="withEffect">
+                                  <p:stCondLst>
+                                    <p:cond delay="0"/>
+                                  </p:stCondLst>
+                                  <p:childTnLst>
+                                    <p:set>
+                                      <p:cBhvr>
+                                        <p:cTn id="6" dur="1" fill="hold">
+                                          <p:stCondLst>
+                                            <p:cond delay="0"/>
+                                          </p:stCondLst>
+                                        </p:cTn>
+                                        <p:tgtEl>
+                                          <p:spTgt spid="2"/>
+                                        </p:tgtEl>
+                                        <p:attrNameLst>
+                                          <p:attrName>style.visibility</p:attrName>
+                                        </p:attrNameLst>
+                                      </p:cBhvr>
+                                      <p:to>
+                                        <p:strVal val="visible"/>
+                                      </p:to>
+                                    </p:set>
+                                  </p:childTnLst>
+                                </p:cTn>
+                              </p:par>
+                            </p:childTnLst>
+                          </p:cTn>
+                        </p:par>
+                      </p:childTnLst>
+                    </p:cTn>
+                  </p:par>
+                  <p:par>
+                    <p:cTn id="7" fill="hold">
+                      <p:stCondLst>
+                        <p:cond delay="indefinite"/>
+                      </p:stCondLst>
+                      <p:childTnLst>
+                        <p:par>
+                          <p:cTn id="8" fill="hold">
+                            <p:stCondLst>
+                              <p:cond delay="0"/>
+                            </p:stCondLst>
+                            <p:childTnLst>
+                              <p:par>
+                                <p:cTn id="9" presetID="1" presetClass="entr" presetSubtype="0" fill="hold" grpId="0" nodeType="clickEffect">
+                                  <p:stCondLst>
+                                    <p:cond delay="0"/>
+                                  </p:stCondLst>
+                                  <p:childTnLst>
+                                    <p:set>
+                                      <p:cBhvr>
+                                        <p:cTn id="10" dur="1" fill="hold">
+                                          <p:stCondLst>
+                                            <p:cond delay="0"/>
+                                          </p:stCondLst>
+                                        </p:cTn>
+                                        <p:tgtEl>
+                                          <p:spTgt spid="3">
+                                            <p:txEl>
+                                              <p:pRg st="0" end="0"/>
+                                            </p:txEl>
+                                          </p:spTgt>
+                                        </p:tgtEl>
+                                        <p:attrNameLst>
+                                          <p:attrName>style.visibility</p:attrName>
+                                        </p:attrNameLst>
+                                      </p:cBhvr>
+                                      <p:to>
+                                        <p:strVal val="visible"/>
+                                      </p:to>
+                                    </p:set>
+                                  </p:childTnLst>
+                                </p:cTn>
+                              </p:par>
+                            </p:childTnLst>
+                          </p:cTn>
+                        </p:par>
+                      </p:childTnLst>
+                    </p:cTn>
+                  </p:par>
+                  <p:par>
+                    <p:cTn id="11" fill="hold">
+                      <p:stCondLst>
+                        <p:cond delay="indefinite"/>
+                      </p:stCondLst>
+                      <p:childTnLst>
+                        <p:par>
+                          <p:cTn id="12" fill="hold">
+                            <p:stCondLst>
+                              <p:cond delay="0"/>
+                            </p:stCondLst>
+                            <p:childTnLst>
+                              <p:par>
+                                <p:cTn id="13" presetID="1" presetClass="entr" presetSubtype="0" fill="hold" grpId="0" nodeType="clickEffect">
+                                  <p:stCondLst>
+                                    <p:cond delay="0"/>
+                                  </p:stCondLst>
+                                  <p:childTnLst>
+                                    <p:set>
+                                      <p:cBhvr>
+                                        <p:cTn id="14" dur="1" fill="hold">
+                                          <p:stCondLst>
+                                            <p:cond delay="0"/>
+                                          </p:stCondLst>
+                                        </p:cTn>
+                                        <p:tgtEl>
+                                          <p:spTgt spid="3">
+                                            <p:txEl>
+                                              <p:pRg st="1" end="1"/>
+                                            </p:txEl>
+                                          </p:spTgt>
+                                        </p:tgtEl>
+                                        <p:attrNameLst>
+                                          <p:attrName>style.visibility</p:attrName>
+                                        </p:attrNameLst>
+                                      </p:cBhvr>
+                                      <p:to>
+                                        <p:strVal val="visible"/>
+                                      </p:to>
+                                    </p:set>
+                                  </p:childTnLst>
+                                </p:cTn>
+                              </p:par>
+                            </p:childTnLst>
+                          </p:cTn>
+                        </p:par>
+                      </p:childTnLst>
+                    </p:cTn>
+                  </p:par>
+                  <p:par>
+                    <p:cTn id="15" fill="hold">
+                      <p:stCondLst>
+                        <p:cond delay="indefinite"/>
+                      </p:stCondLst>
+                      <p:childTnLst>
+                        <p:par>
+                          <p:cTn id="16" fill="hold">
+                            <p:stCondLst>
+                              <p:cond delay="0"/>
+                            </p:stCondLst>
+                            <p:childTnLst>
+                              <p:par>
+                                <p:cTn id="17" presetID="1" presetClass="entr" presetSubtype="0" fill="hold" grpId="0" nodeType="clickEffect">
+                                  <p:stCondLst>
+                                    <p:cond delay="0"/>
+                                  </p:stCondLst>
+                                  <p:childTnLst>
+                                    <p:set>
+                                      <p:cBhvr>
+                                        <p:cTn id="18" dur="1" fill="hold">
+                                          <p:stCondLst>
+                                            <p:cond delay="0"/>
+                                          </p:stCondLst>
+                                        </p:cTn>
+                                        <p:tgtEl>
+                                          <p:spTgt spid="3">
+                                            <p:txEl>
+                                              <p:pRg st="2" end="2"/>
+                                            </p:txEl>
+                                          </p:spTgt>
+                                        </p:tgtEl>
+                                        <p:attrNameLst>
+                                          <p:attrName>style.visibility</p:attrName>
+                                        </p:attrNameLst>
+                                      </p:cBhvr>
+                                      <p:to>
+                                        <p:strVal val="visible"/>
+                                      </p:to>
+                                    </p:set>
+                                  </p:childTnLst>
+                                </p:cTn>
+                              </p:par>
+                            </p:childTnLst>
+                          </p:cTn>
+                        </p:par>
+                      </p:childTnLst>
+                    </p:cTn>
+                  </p:par>
+                  <p:par>
+                    <p:cTn id="19" fill="hold">
+                      <p:stCondLst>
+                        <p:cond delay="indefinite"/>
+                      </p:stCondLst>
+                      <p:childTnLst>
+                        <p:par>
+                          <p:cTn id="20" fill="hold">
+                            <p:stCondLst>
+                              <p:cond delay="0"/>
+                            </p:stCondLst>
+                            <p:childTnLst>
+                              <p:par>
+                                <p:cTn id="21" presetID="1" presetClass="entr" presetSubtype="0" fill="hold" nodeType="clickEffect">
+                                  <p:stCondLst>
+                                    <p:cond delay="0"/>
+                                  </p:stCondLst>
+                                  <p:childTnLst>
+                                    <p:set>
+                                      <p:cBhvr>
+                                        <p:cTn id="22" dur="1" fill="hold">
+                                          <p:stCondLst>
+                                            <p:cond delay="0"/>
+                                          </p:stCondLst>
+                                        </p:cTn>
+                                        <p:tgtEl>
+                                          <p:spTgt spid="4"/>
+                                        </p:tgtEl>
+                                        <p:attrNameLst>
+                                          <p:attrName>style.visibility</p:attrName>
+                                        </p:attrNameLst>
+                                      </p:cBhvr>
+                                      <p:to>
+                                        <p:strVal val="visible"/>
+                                      </p:to>
+                                    </p:set>
+                                  </p:childTnLst>
+                                </p:cTn>
+                              </p:par>
+                            </p:childTnLst>
+                          </p:cTn>
+                        </p:par>
+                      </p:childTnLst>
+                    </p:cTn>
+                  </p:par>
+                </p:childTnLst>
+              </p:cTn>
+              <p:prevCondLst>
+                <p:cond evt="onPrev" delay="0">
+                  <p:tgtEl>
+                    <p:sldTgt/>
+                  </p:tgtEl>
+                </p:cond>
+              </p:prevCondLst>
+              <p:nextCondLst>
+                <p:cond evt="onNext" delay="0">
+                  <p:tgtEl>
+                    <p:sldTgt/>
+                  </p:tgtEl>
+                </p:cond>
+              </p:nextCondLst>
+            </p:seq>
+          </p:childTnLst>
+        </p:cTn>
+      </p:par>
+    </p:tnLst>
+    <p:bldLst>
+      <p:bldP spid="2" grpId="0"/>
+      <p:bldP spid="3" grpId="0" build="p"/>
+    </p:bldLst>
+  </p:timing>
 </p:sld>
 </file>
 
